--- a/design_patterns/ppt/teaching_examples.pptx
+++ b/design_patterns/ppt/teaching_examples.pptx
@@ -15,10 +15,6 @@
     <p:sldId id="261" r:id="rId9"/>
     <p:sldId id="262" r:id="rId10"/>
     <p:sldId id="269" r:id="rId11"/>
-    <p:sldId id="256" r:id="rId12"/>
-    <p:sldId id="258" r:id="rId13"/>
-    <p:sldId id="270" r:id="rId14"/>
-    <p:sldId id="272" r:id="rId15"/>
   </p:sldIdLst>
   <p:sldSz cx="12192000" cy="6858000"/>
   <p:notesSz cx="6858000" cy="9144000"/>
@@ -117,6 +113,11 @@
       </a:defRPr>
     </a:lvl9pPr>
   </p:defaultTextStyle>
+  <p:extLst>
+    <p:ext uri="{EFAFB233-063F-42B5-8137-9DF3F51BA10A}">
+      <p15:sldGuideLst xmlns:p15="http://schemas.microsoft.com/office/powerpoint/2012/main"/>
+    </p:ext>
+  </p:extLst>
 </p:presentation>
 </file>
 
@@ -3084,248 +3085,6 @@
 </p:sld>
 </file>
 
-<file path=ppt/slides/slide11.xml><?xml version="1.0" encoding="utf-8"?>
-<p:sld xmlns:a="http://schemas.openxmlformats.org/drawingml/2006/main" xmlns:r="http://schemas.openxmlformats.org/officeDocument/2006/relationships" xmlns:p="http://schemas.openxmlformats.org/presentationml/2006/main">
-  <p:cSld>
-    <p:spTree>
-      <p:nvGrpSpPr>
-        <p:cNvPr id="1" name=""/>
-        <p:cNvGrpSpPr/>
-        <p:nvPr/>
-      </p:nvGrpSpPr>
-      <p:grpSpPr>
-        <a:xfrm>
-          <a:off x="0" y="0"/>
-          <a:ext cx="0" cy="0"/>
-          <a:chOff x="0" y="0"/>
-          <a:chExt cx="0" cy="0"/>
-        </a:xfrm>
-      </p:grpSpPr>
-      <p:sp>
-        <p:nvSpPr>
-          <p:cNvPr id="2" name="Title 1"/>
-          <p:cNvSpPr>
-            <a:spLocks noGrp="1"/>
-          </p:cNvSpPr>
-          <p:nvPr>
-            <p:ph type="ctrTitle"/>
-          </p:nvPr>
-        </p:nvSpPr>
-        <p:spPr/>
-        <p:txBody>
-          <a:bodyPr/>
-          <a:lstStyle/>
-          <a:p>
-            <a:r>
-              <a:rPr lang="en-US" dirty="0" smtClean="0">
-                <a:latin typeface="Source Code Pro" panose="020B0509030403020204" pitchFamily="49" charset="0"/>
-              </a:rPr>
-              <a:t>Design patterns</a:t>
-            </a:r>
-            <a:endParaRPr lang="en-US" dirty="0">
-              <a:latin typeface="Source Code Pro" panose="020B0509030403020204" pitchFamily="49" charset="0"/>
-            </a:endParaRPr>
-          </a:p>
-        </p:txBody>
-      </p:sp>
-    </p:spTree>
-    <p:extLst>
-      <p:ext uri="{BB962C8B-B14F-4D97-AF65-F5344CB8AC3E}">
-        <p14:creationId xmlns:p14="http://schemas.microsoft.com/office/powerpoint/2010/main" val="2674831966"/>
-      </p:ext>
-    </p:extLst>
-  </p:cSld>
-  <p:clrMapOvr>
-    <a:masterClrMapping/>
-  </p:clrMapOvr>
-</p:sld>
-</file>
-
-<file path=ppt/slides/slide12.xml><?xml version="1.0" encoding="utf-8"?>
-<p:sld xmlns:a="http://schemas.openxmlformats.org/drawingml/2006/main" xmlns:r="http://schemas.openxmlformats.org/officeDocument/2006/relationships" xmlns:p="http://schemas.openxmlformats.org/presentationml/2006/main">
-  <p:cSld>
-    <p:spTree>
-      <p:nvGrpSpPr>
-        <p:cNvPr id="1" name=""/>
-        <p:cNvGrpSpPr/>
-        <p:nvPr/>
-      </p:nvGrpSpPr>
-      <p:grpSpPr>
-        <a:xfrm>
-          <a:off x="0" y="0"/>
-          <a:ext cx="0" cy="0"/>
-          <a:chOff x="0" y="0"/>
-          <a:chExt cx="0" cy="0"/>
-        </a:xfrm>
-      </p:grpSpPr>
-      <p:sp>
-        <p:nvSpPr>
-          <p:cNvPr id="2" name="Title 1"/>
-          <p:cNvSpPr>
-            <a:spLocks noGrp="1"/>
-          </p:cNvSpPr>
-          <p:nvPr>
-            <p:ph type="title"/>
-          </p:nvPr>
-        </p:nvSpPr>
-        <p:spPr>
-          <a:xfrm>
-            <a:off x="852054" y="2401743"/>
-            <a:ext cx="10515600" cy="1325563"/>
-          </a:xfrm>
-        </p:spPr>
-        <p:txBody>
-          <a:bodyPr/>
-          <a:lstStyle/>
-          <a:p>
-            <a:pPr algn="ctr"/>
-            <a:r>
-              <a:rPr lang="en-US" dirty="0" err="1" smtClean="0"/>
-              <a:t>PyQt</a:t>
-            </a:r>
-            <a:r>
-              <a:rPr lang="en-US" dirty="0" smtClean="0"/>
-              <a:t> signal-slot</a:t>
-            </a:r>
-            <a:endParaRPr lang="en-US" dirty="0"/>
-          </a:p>
-        </p:txBody>
-      </p:sp>
-    </p:spTree>
-    <p:extLst>
-      <p:ext uri="{BB962C8B-B14F-4D97-AF65-F5344CB8AC3E}">
-        <p14:creationId xmlns:p14="http://schemas.microsoft.com/office/powerpoint/2010/main" val="3493472988"/>
-      </p:ext>
-    </p:extLst>
-  </p:cSld>
-  <p:clrMapOvr>
-    <a:masterClrMapping/>
-  </p:clrMapOvr>
-</p:sld>
-</file>
-
-<file path=ppt/slides/slide13.xml><?xml version="1.0" encoding="utf-8"?>
-<p:sld xmlns:a="http://schemas.openxmlformats.org/drawingml/2006/main" xmlns:r="http://schemas.openxmlformats.org/officeDocument/2006/relationships" xmlns:p="http://schemas.openxmlformats.org/presentationml/2006/main">
-  <p:cSld>
-    <p:spTree>
-      <p:nvGrpSpPr>
-        <p:cNvPr id="1" name=""/>
-        <p:cNvGrpSpPr/>
-        <p:nvPr/>
-      </p:nvGrpSpPr>
-      <p:grpSpPr>
-        <a:xfrm>
-          <a:off x="0" y="0"/>
-          <a:ext cx="0" cy="0"/>
-          <a:chOff x="0" y="0"/>
-          <a:chExt cx="0" cy="0"/>
-        </a:xfrm>
-      </p:grpSpPr>
-      <p:sp>
-        <p:nvSpPr>
-          <p:cNvPr id="2" name="Title 1"/>
-          <p:cNvSpPr>
-            <a:spLocks noGrp="1"/>
-          </p:cNvSpPr>
-          <p:nvPr>
-            <p:ph type="title"/>
-          </p:nvPr>
-        </p:nvSpPr>
-        <p:spPr>
-          <a:xfrm>
-            <a:off x="852054" y="2401743"/>
-            <a:ext cx="10515600" cy="1325563"/>
-          </a:xfrm>
-        </p:spPr>
-        <p:txBody>
-          <a:bodyPr/>
-          <a:lstStyle/>
-          <a:p>
-            <a:pPr algn="ctr"/>
-            <a:r>
-              <a:rPr lang="en-US" dirty="0" smtClean="0"/>
-              <a:t>Plugin Design?</a:t>
-            </a:r>
-            <a:endParaRPr lang="en-US" dirty="0"/>
-          </a:p>
-        </p:txBody>
-      </p:sp>
-    </p:spTree>
-    <p:extLst>
-      <p:ext uri="{BB962C8B-B14F-4D97-AF65-F5344CB8AC3E}">
-        <p14:creationId xmlns:p14="http://schemas.microsoft.com/office/powerpoint/2010/main" val="1600949346"/>
-      </p:ext>
-    </p:extLst>
-  </p:cSld>
-  <p:clrMapOvr>
-    <a:masterClrMapping/>
-  </p:clrMapOvr>
-</p:sld>
-</file>
-
-<file path=ppt/slides/slide14.xml><?xml version="1.0" encoding="utf-8"?>
-<p:sld xmlns:a="http://schemas.openxmlformats.org/drawingml/2006/main" xmlns:r="http://schemas.openxmlformats.org/officeDocument/2006/relationships" xmlns:p="http://schemas.openxmlformats.org/presentationml/2006/main">
-  <p:cSld>
-    <p:spTree>
-      <p:nvGrpSpPr>
-        <p:cNvPr id="1" name=""/>
-        <p:cNvGrpSpPr/>
-        <p:nvPr/>
-      </p:nvGrpSpPr>
-      <p:grpSpPr>
-        <a:xfrm>
-          <a:off x="0" y="0"/>
-          <a:ext cx="0" cy="0"/>
-          <a:chOff x="0" y="0"/>
-          <a:chExt cx="0" cy="0"/>
-        </a:xfrm>
-      </p:grpSpPr>
-      <p:sp>
-        <p:nvSpPr>
-          <p:cNvPr id="2" name="Title 1"/>
-          <p:cNvSpPr>
-            <a:spLocks noGrp="1"/>
-          </p:cNvSpPr>
-          <p:nvPr>
-            <p:ph type="title"/>
-          </p:nvPr>
-        </p:nvSpPr>
-        <p:spPr>
-          <a:xfrm>
-            <a:off x="852054" y="2401743"/>
-            <a:ext cx="10515600" cy="1325563"/>
-          </a:xfrm>
-        </p:spPr>
-        <p:txBody>
-          <a:bodyPr/>
-          <a:lstStyle/>
-          <a:p>
-            <a:pPr algn="ctr"/>
-            <a:r>
-              <a:rPr lang="en-US" dirty="0" err="1" smtClean="0"/>
-              <a:t>PyQt</a:t>
-            </a:r>
-            <a:r>
-              <a:rPr lang="en-US" dirty="0" smtClean="0"/>
-              <a:t> MVC</a:t>
-            </a:r>
-            <a:endParaRPr lang="en-US" dirty="0"/>
-          </a:p>
-        </p:txBody>
-      </p:sp>
-    </p:spTree>
-    <p:extLst>
-      <p:ext uri="{BB962C8B-B14F-4D97-AF65-F5344CB8AC3E}">
-        <p14:creationId xmlns:p14="http://schemas.microsoft.com/office/powerpoint/2010/main" val="2897289305"/>
-      </p:ext>
-    </p:extLst>
-  </p:cSld>
-  <p:clrMapOvr>
-    <a:masterClrMapping/>
-  </p:clrMapOvr>
-</p:sld>
-</file>
-
 <file path=ppt/slides/slide2.xml><?xml version="1.0" encoding="utf-8"?>
 <p:sld xmlns:a="http://schemas.openxmlformats.org/drawingml/2006/main" xmlns:r="http://schemas.openxmlformats.org/officeDocument/2006/relationships" xmlns:p="http://schemas.openxmlformats.org/presentationml/2006/main">
   <p:cSld>

--- a/design_patterns/ppt/teaching_examples.pptx
+++ b/design_patterns/ppt/teaching_examples.pptx
@@ -5,16 +5,17 @@
     <p:sldMasterId id="2147483648" r:id="rId1"/>
   </p:sldMasterIdLst>
   <p:sldIdLst>
-    <p:sldId id="257" r:id="rId2"/>
-    <p:sldId id="265" r:id="rId3"/>
-    <p:sldId id="267" r:id="rId4"/>
-    <p:sldId id="266" r:id="rId5"/>
-    <p:sldId id="264" r:id="rId6"/>
-    <p:sldId id="259" r:id="rId7"/>
-    <p:sldId id="260" r:id="rId8"/>
-    <p:sldId id="261" r:id="rId9"/>
-    <p:sldId id="262" r:id="rId10"/>
-    <p:sldId id="269" r:id="rId11"/>
+    <p:sldId id="270" r:id="rId2"/>
+    <p:sldId id="257" r:id="rId3"/>
+    <p:sldId id="265" r:id="rId4"/>
+    <p:sldId id="267" r:id="rId5"/>
+    <p:sldId id="266" r:id="rId6"/>
+    <p:sldId id="264" r:id="rId7"/>
+    <p:sldId id="259" r:id="rId8"/>
+    <p:sldId id="260" r:id="rId9"/>
+    <p:sldId id="261" r:id="rId10"/>
+    <p:sldId id="262" r:id="rId11"/>
+    <p:sldId id="269" r:id="rId12"/>
   </p:sldIdLst>
   <p:sldSz cx="12192000" cy="6858000"/>
   <p:notesSz cx="6858000" cy="9144000"/>
@@ -2985,32 +2986,38 @@
             <a:spLocks noGrp="1"/>
           </p:cNvSpPr>
           <p:nvPr>
-            <p:ph type="ctrTitle"/>
-          </p:nvPr>
-        </p:nvSpPr>
-        <p:spPr/>
-        <p:txBody>
-          <a:bodyPr>
-            <a:normAutofit/>
-          </a:bodyPr>
-          <a:lstStyle/>
-          <a:p>
-            <a:r>
-              <a:rPr lang="en-US" sz="5400" dirty="0" smtClean="0">
-                <a:latin typeface="Source Code Pro" panose="020B0509030403020204" pitchFamily="49" charset="0"/>
-              </a:rPr>
-              <a:t>generators</a:t>
-            </a:r>
-            <a:endParaRPr lang="en-US" sz="5400" dirty="0">
-              <a:latin typeface="Source Code Pro" panose="020B0509030403020204" pitchFamily="49" charset="0"/>
-            </a:endParaRPr>
+            <p:ph type="title"/>
+          </p:nvPr>
+        </p:nvSpPr>
+        <p:spPr>
+          <a:xfrm>
+            <a:off x="838200" y="1307234"/>
+            <a:ext cx="10515600" cy="1325563"/>
+          </a:xfrm>
+        </p:spPr>
+        <p:txBody>
+          <a:bodyPr/>
+          <a:lstStyle/>
+          <a:p>
+            <a:r>
+              <a:rPr lang="en-US" dirty="0" smtClean="0"/>
+              <a:t>Pre:</a:t>
+            </a:r>
+            <a:br>
+              <a:rPr lang="en-US" dirty="0" smtClean="0"/>
+            </a:br>
+            <a:r>
+              <a:rPr lang="en-US" dirty="0" smtClean="0"/>
+              <a:t>Flask</a:t>
+            </a:r>
+            <a:endParaRPr lang="en-US" dirty="0"/>
           </a:p>
         </p:txBody>
       </p:sp>
     </p:spTree>
     <p:extLst>
       <p:ext uri="{BB962C8B-B14F-4D97-AF65-F5344CB8AC3E}">
-        <p14:creationId xmlns:p14="http://schemas.microsoft.com/office/powerpoint/2010/main" val="1731794583"/>
+        <p14:creationId xmlns:p14="http://schemas.microsoft.com/office/powerpoint/2010/main" val="550488774"/>
       </p:ext>
     </p:extLst>
   </p:cSld>
@@ -3064,6 +3071,83 @@
               <a:rPr lang="fa-IR" sz="2800" dirty="0" smtClean="0">
                 <a:cs typeface="B Yekan" panose="00000400000000000000" pitchFamily="2" charset="-78"/>
               </a:rPr>
+              <a:t>پایتون را می‌توان سریع‌تر کرد؟ (</a:t>
+            </a:r>
+            <a:r>
+              <a:rPr lang="en-US" sz="2800" dirty="0" err="1" smtClean="0">
+                <a:cs typeface="B Yekan" panose="00000400000000000000" pitchFamily="2" charset="-78"/>
+              </a:rPr>
+              <a:t>numba</a:t>
+            </a:r>
+            <a:r>
+              <a:rPr lang="fa-IR" sz="2800" dirty="0" smtClean="0">
+                <a:cs typeface="B Yekan" panose="00000400000000000000" pitchFamily="2" charset="-78"/>
+              </a:rPr>
+              <a:t>)</a:t>
+            </a:r>
+            <a:endParaRPr lang="en-US" sz="2800" dirty="0">
+              <a:cs typeface="B Yekan" panose="00000400000000000000" pitchFamily="2" charset="-78"/>
+            </a:endParaRPr>
+          </a:p>
+        </p:txBody>
+      </p:sp>
+    </p:spTree>
+    <p:extLst>
+      <p:ext uri="{BB962C8B-B14F-4D97-AF65-F5344CB8AC3E}">
+        <p14:creationId xmlns:p14="http://schemas.microsoft.com/office/powerpoint/2010/main" val="2777640750"/>
+      </p:ext>
+    </p:extLst>
+  </p:cSld>
+  <p:clrMapOvr>
+    <a:masterClrMapping/>
+  </p:clrMapOvr>
+</p:sld>
+</file>
+
+<file path=ppt/slides/slide11.xml><?xml version="1.0" encoding="utf-8"?>
+<p:sld xmlns:a="http://schemas.openxmlformats.org/drawingml/2006/main" xmlns:r="http://schemas.openxmlformats.org/officeDocument/2006/relationships" xmlns:p="http://schemas.openxmlformats.org/presentationml/2006/main">
+  <p:cSld>
+    <p:spTree>
+      <p:nvGrpSpPr>
+        <p:cNvPr id="1" name=""/>
+        <p:cNvGrpSpPr/>
+        <p:nvPr/>
+      </p:nvGrpSpPr>
+      <p:grpSpPr>
+        <a:xfrm>
+          <a:off x="0" y="0"/>
+          <a:ext cx="0" cy="0"/>
+          <a:chOff x="0" y="0"/>
+          <a:chExt cx="0" cy="0"/>
+        </a:xfrm>
+      </p:grpSpPr>
+      <p:sp>
+        <p:nvSpPr>
+          <p:cNvPr id="2" name="Title 1"/>
+          <p:cNvSpPr>
+            <a:spLocks noGrp="1"/>
+          </p:cNvSpPr>
+          <p:nvPr>
+            <p:ph type="title"/>
+          </p:nvPr>
+        </p:nvSpPr>
+        <p:spPr>
+          <a:xfrm>
+            <a:off x="865909" y="2318616"/>
+            <a:ext cx="10515600" cy="1325563"/>
+          </a:xfrm>
+        </p:spPr>
+        <p:txBody>
+          <a:bodyPr>
+            <a:noAutofit/>
+          </a:bodyPr>
+          <a:lstStyle/>
+          <a:p>
+            <a:pPr algn="ctr" rtl="1"/>
+            <a:r>
+              <a:rPr lang="fa-IR" sz="2800" dirty="0" smtClean="0">
+                <a:cs typeface="B Yekan" panose="00000400000000000000" pitchFamily="2" charset="-78"/>
+              </a:rPr>
               <a:t>دکوریتوری ایجاد کنید که مقدار ورودی به فانکشن را محدود به یک بازه کند و اگر خارج از آن بود مقدارش را صفر کند.</a:t>
             </a:r>
             <a:endParaRPr lang="en-US" sz="2800" dirty="0">
@@ -3086,6 +3170,65 @@
 </file>
 
 <file path=ppt/slides/slide2.xml><?xml version="1.0" encoding="utf-8"?>
+<p:sld xmlns:a="http://schemas.openxmlformats.org/drawingml/2006/main" xmlns:r="http://schemas.openxmlformats.org/officeDocument/2006/relationships" xmlns:p="http://schemas.openxmlformats.org/presentationml/2006/main">
+  <p:cSld>
+    <p:spTree>
+      <p:nvGrpSpPr>
+        <p:cNvPr id="1" name=""/>
+        <p:cNvGrpSpPr/>
+        <p:nvPr/>
+      </p:nvGrpSpPr>
+      <p:grpSpPr>
+        <a:xfrm>
+          <a:off x="0" y="0"/>
+          <a:ext cx="0" cy="0"/>
+          <a:chOff x="0" y="0"/>
+          <a:chExt cx="0" cy="0"/>
+        </a:xfrm>
+      </p:grpSpPr>
+      <p:sp>
+        <p:nvSpPr>
+          <p:cNvPr id="2" name="Title 1"/>
+          <p:cNvSpPr>
+            <a:spLocks noGrp="1"/>
+          </p:cNvSpPr>
+          <p:nvPr>
+            <p:ph type="ctrTitle"/>
+          </p:nvPr>
+        </p:nvSpPr>
+        <p:spPr/>
+        <p:txBody>
+          <a:bodyPr>
+            <a:normAutofit/>
+          </a:bodyPr>
+          <a:lstStyle/>
+          <a:p>
+            <a:r>
+              <a:rPr lang="en-US" sz="5400" dirty="0" smtClean="0">
+                <a:latin typeface="Source Code Pro" panose="020B0509030403020204" pitchFamily="49" charset="0"/>
+              </a:rPr>
+              <a:t>generators</a:t>
+            </a:r>
+            <a:endParaRPr lang="en-US" sz="5400" dirty="0">
+              <a:latin typeface="Source Code Pro" panose="020B0509030403020204" pitchFamily="49" charset="0"/>
+            </a:endParaRPr>
+          </a:p>
+        </p:txBody>
+      </p:sp>
+    </p:spTree>
+    <p:extLst>
+      <p:ext uri="{BB962C8B-B14F-4D97-AF65-F5344CB8AC3E}">
+        <p14:creationId xmlns:p14="http://schemas.microsoft.com/office/powerpoint/2010/main" val="1731794583"/>
+      </p:ext>
+    </p:extLst>
+  </p:cSld>
+  <p:clrMapOvr>
+    <a:masterClrMapping/>
+  </p:clrMapOvr>
+</p:sld>
+</file>
+
+<file path=ppt/slides/slide3.xml><?xml version="1.0" encoding="utf-8"?>
 <p:sld xmlns:a="http://schemas.openxmlformats.org/drawingml/2006/main" xmlns:r="http://schemas.openxmlformats.org/officeDocument/2006/relationships" xmlns:p="http://schemas.openxmlformats.org/presentationml/2006/main">
   <p:cSld>
     <p:spTree>
@@ -3156,7 +3299,7 @@
 </p:sld>
 </file>
 
-<file path=ppt/slides/slide3.xml><?xml version="1.0" encoding="utf-8"?>
+<file path=ppt/slides/slide4.xml><?xml version="1.0" encoding="utf-8"?>
 <p:sld xmlns:a="http://schemas.openxmlformats.org/drawingml/2006/main" xmlns:r="http://schemas.openxmlformats.org/officeDocument/2006/relationships" xmlns:p="http://schemas.openxmlformats.org/presentationml/2006/main">
   <p:cSld>
     <p:spTree>
@@ -3246,7 +3389,7 @@
 </p:sld>
 </file>
 
-<file path=ppt/slides/slide4.xml><?xml version="1.0" encoding="utf-8"?>
+<file path=ppt/slides/slide5.xml><?xml version="1.0" encoding="utf-8"?>
 <p:sld xmlns:a="http://schemas.openxmlformats.org/drawingml/2006/main" xmlns:r="http://schemas.openxmlformats.org/officeDocument/2006/relationships" xmlns:p="http://schemas.openxmlformats.org/presentationml/2006/main">
   <p:cSld>
     <p:spTree>
@@ -3323,107 +3466,6 @@
 </p:sld>
 </file>
 
-<file path=ppt/slides/slide5.xml><?xml version="1.0" encoding="utf-8"?>
-<p:sld xmlns:a="http://schemas.openxmlformats.org/drawingml/2006/main" xmlns:r="http://schemas.openxmlformats.org/officeDocument/2006/relationships" xmlns:p="http://schemas.openxmlformats.org/presentationml/2006/main">
-  <p:cSld>
-    <p:spTree>
-      <p:nvGrpSpPr>
-        <p:cNvPr id="1" name=""/>
-        <p:cNvGrpSpPr/>
-        <p:nvPr/>
-      </p:nvGrpSpPr>
-      <p:grpSpPr>
-        <a:xfrm>
-          <a:off x="0" y="0"/>
-          <a:ext cx="0" cy="0"/>
-          <a:chOff x="0" y="0"/>
-          <a:chExt cx="0" cy="0"/>
-        </a:xfrm>
-      </p:grpSpPr>
-      <p:sp>
-        <p:nvSpPr>
-          <p:cNvPr id="2" name="Title 1"/>
-          <p:cNvSpPr>
-            <a:spLocks noGrp="1"/>
-          </p:cNvSpPr>
-          <p:nvPr>
-            <p:ph type="title"/>
-          </p:nvPr>
-        </p:nvSpPr>
-        <p:spPr>
-          <a:xfrm>
-            <a:off x="865909" y="2318616"/>
-            <a:ext cx="10515600" cy="1325563"/>
-          </a:xfrm>
-        </p:spPr>
-        <p:txBody>
-          <a:bodyPr>
-            <a:normAutofit/>
-          </a:bodyPr>
-          <a:lstStyle/>
-          <a:p>
-            <a:pPr algn="ctr" rtl="1"/>
-            <a:r>
-              <a:rPr lang="fa-IR" sz="3200" dirty="0" smtClean="0">
-                <a:cs typeface="B Yekan" panose="00000400000000000000" pitchFamily="2" charset="-78"/>
-              </a:rPr>
-              <a:t>یک </a:t>
-            </a:r>
-            <a:r>
-              <a:rPr lang="en-US" sz="3200" dirty="0" smtClean="0">
-                <a:cs typeface="B Yekan" panose="00000400000000000000" pitchFamily="2" charset="-78"/>
-              </a:rPr>
-              <a:t>generator</a:t>
-            </a:r>
-            <a:r>
-              <a:rPr lang="fa-IR" sz="3200" dirty="0" smtClean="0">
-                <a:cs typeface="B Yekan" panose="00000400000000000000" pitchFamily="2" charset="-78"/>
-              </a:rPr>
-              <a:t> ایجاد کنید</a:t>
-            </a:r>
-            <a:r>
-              <a:rPr lang="fa-IR" sz="3200" dirty="0">
-                <a:cs typeface="B Yekan" panose="00000400000000000000" pitchFamily="2" charset="-78"/>
-              </a:rPr>
-              <a:t> </a:t>
-            </a:r>
-            <a:r>
-              <a:rPr lang="fa-IR" sz="3200" dirty="0" smtClean="0">
-                <a:cs typeface="B Yekan" panose="00000400000000000000" pitchFamily="2" charset="-78"/>
-              </a:rPr>
-              <a:t>که علاوه بر عدد (مانند </a:t>
-            </a:r>
-            <a:r>
-              <a:rPr lang="en-US" sz="3200" dirty="0" smtClean="0">
-                <a:cs typeface="B Yekan" panose="00000400000000000000" pitchFamily="2" charset="-78"/>
-              </a:rPr>
-              <a:t>range</a:t>
-            </a:r>
-            <a:r>
-              <a:rPr lang="fa-IR" sz="3200" dirty="0" smtClean="0">
-                <a:cs typeface="B Yekan" panose="00000400000000000000" pitchFamily="2" charset="-78"/>
-              </a:rPr>
-              <a:t>) ثانیه هم دریافت کند و به اندازه‌ی آن ثانیه صبر کند و عدد برگرداند.</a:t>
-            </a:r>
-            <a:endParaRPr lang="en-US" sz="3200" dirty="0">
-              <a:cs typeface="B Yekan" panose="00000400000000000000" pitchFamily="2" charset="-78"/>
-            </a:endParaRPr>
-          </a:p>
-        </p:txBody>
-      </p:sp>
-    </p:spTree>
-    <p:extLst>
-      <p:ext uri="{BB962C8B-B14F-4D97-AF65-F5344CB8AC3E}">
-        <p14:creationId xmlns:p14="http://schemas.microsoft.com/office/powerpoint/2010/main" val="39432171"/>
-      </p:ext>
-    </p:extLst>
-  </p:cSld>
-  <p:clrMapOvr>
-    <a:masterClrMapping/>
-  </p:clrMapOvr>
-</p:sld>
-</file>
-
 <file path=ppt/slides/slide6.xml><?xml version="1.0" encoding="utf-8"?>
 <p:sld xmlns:a="http://schemas.openxmlformats.org/drawingml/2006/main" xmlns:r="http://schemas.openxmlformats.org/officeDocument/2006/relationships" xmlns:p="http://schemas.openxmlformats.org/presentationml/2006/main">
   <p:cSld>
@@ -3448,22 +3490,66 @@
             <a:spLocks noGrp="1"/>
           </p:cNvSpPr>
           <p:nvPr>
-            <p:ph type="ctrTitle"/>
-          </p:nvPr>
-        </p:nvSpPr>
-        <p:spPr/>
-        <p:txBody>
-          <a:bodyPr/>
-          <a:lstStyle/>
-          <a:p>
-            <a:r>
-              <a:rPr lang="en-US" dirty="0" smtClean="0">
-                <a:latin typeface="Source Code Pro" panose="020B0509030403020204" pitchFamily="49" charset="0"/>
+            <p:ph type="title"/>
+          </p:nvPr>
+        </p:nvSpPr>
+        <p:spPr>
+          <a:xfrm>
+            <a:off x="865909" y="2318616"/>
+            <a:ext cx="10515600" cy="1325563"/>
+          </a:xfrm>
+        </p:spPr>
+        <p:txBody>
+          <a:bodyPr>
+            <a:normAutofit/>
+          </a:bodyPr>
+          <a:lstStyle/>
+          <a:p>
+            <a:pPr algn="ctr" rtl="1"/>
+            <a:r>
+              <a:rPr lang="fa-IR" sz="3200" dirty="0" smtClean="0">
+                <a:cs typeface="B Yekan" panose="00000400000000000000" pitchFamily="2" charset="-78"/>
               </a:rPr>
-              <a:t>Decorators</a:t>
-            </a:r>
-            <a:endParaRPr lang="en-US" dirty="0">
-              <a:latin typeface="Source Code Pro" panose="020B0509030403020204" pitchFamily="49" charset="0"/>
+              <a:t>یک </a:t>
+            </a:r>
+            <a:r>
+              <a:rPr lang="en-US" sz="3200" dirty="0" smtClean="0">
+                <a:cs typeface="B Yekan" panose="00000400000000000000" pitchFamily="2" charset="-78"/>
+              </a:rPr>
+              <a:t>generator</a:t>
+            </a:r>
+            <a:r>
+              <a:rPr lang="fa-IR" sz="3200" dirty="0" smtClean="0">
+                <a:cs typeface="B Yekan" panose="00000400000000000000" pitchFamily="2" charset="-78"/>
+              </a:rPr>
+              <a:t> ایجاد کنید</a:t>
+            </a:r>
+            <a:r>
+              <a:rPr lang="fa-IR" sz="3200" dirty="0">
+                <a:cs typeface="B Yekan" panose="00000400000000000000" pitchFamily="2" charset="-78"/>
+              </a:rPr>
+              <a:t> </a:t>
+            </a:r>
+            <a:r>
+              <a:rPr lang="fa-IR" sz="3200" dirty="0" smtClean="0">
+                <a:cs typeface="B Yekan" panose="00000400000000000000" pitchFamily="2" charset="-78"/>
+              </a:rPr>
+              <a:t>که علاوه بر عدد (مانند </a:t>
+            </a:r>
+            <a:r>
+              <a:rPr lang="en-US" sz="3200" dirty="0" smtClean="0">
+                <a:cs typeface="B Yekan" panose="00000400000000000000" pitchFamily="2" charset="-78"/>
+              </a:rPr>
+              <a:t>range</a:t>
+            </a:r>
+            <a:r>
+              <a:rPr lang="fa-IR" sz="3200" dirty="0" smtClean="0">
+                <a:cs typeface="B Yekan" panose="00000400000000000000" pitchFamily="2" charset="-78"/>
+              </a:rPr>
+              <a:t>) ثانیه هم دریافت کند و به اندازه‌ی آن ثانیه صبر کند و عدد برگرداند.</a:t>
+            </a:r>
+            <a:endParaRPr lang="en-US" sz="3200" dirty="0">
+              <a:cs typeface="B Yekan" panose="00000400000000000000" pitchFamily="2" charset="-78"/>
             </a:endParaRPr>
           </a:p>
         </p:txBody>
@@ -3471,7 +3557,7 @@
     </p:spTree>
     <p:extLst>
       <p:ext uri="{BB962C8B-B14F-4D97-AF65-F5344CB8AC3E}">
-        <p14:creationId xmlns:p14="http://schemas.microsoft.com/office/powerpoint/2010/main" val="1582845792"/>
+        <p14:creationId xmlns:p14="http://schemas.microsoft.com/office/powerpoint/2010/main" val="39432171"/>
       </p:ext>
     </p:extLst>
   </p:cSld>
@@ -3505,28 +3591,22 @@
             <a:spLocks noGrp="1"/>
           </p:cNvSpPr>
           <p:nvPr>
-            <p:ph type="title"/>
-          </p:nvPr>
-        </p:nvSpPr>
-        <p:spPr>
-          <a:xfrm>
-            <a:off x="865909" y="2318616"/>
-            <a:ext cx="10515600" cy="1325563"/>
-          </a:xfrm>
-        </p:spPr>
-        <p:txBody>
-          <a:bodyPr/>
-          <a:lstStyle/>
-          <a:p>
-            <a:pPr algn="ctr" rtl="1"/>
-            <a:r>
-              <a:rPr lang="fa-IR" dirty="0" smtClean="0">
-                <a:cs typeface="B Yekan" panose="00000400000000000000" pitchFamily="2" charset="-78"/>
+            <p:ph type="ctrTitle"/>
+          </p:nvPr>
+        </p:nvSpPr>
+        <p:spPr/>
+        <p:txBody>
+          <a:bodyPr/>
+          <a:lstStyle/>
+          <a:p>
+            <a:r>
+              <a:rPr lang="en-US" dirty="0" smtClean="0">
+                <a:latin typeface="Source Code Pro" panose="020B0509030403020204" pitchFamily="49" charset="0"/>
               </a:rPr>
-              <a:t>یک تایمر برای توابع ایجاد کنید</a:t>
+              <a:t>Decorators</a:t>
             </a:r>
             <a:endParaRPr lang="en-US" dirty="0">
-              <a:cs typeface="B Yekan" panose="00000400000000000000" pitchFamily="2" charset="-78"/>
+              <a:latin typeface="Source Code Pro" panose="020B0509030403020204" pitchFamily="49" charset="0"/>
             </a:endParaRPr>
           </a:p>
         </p:txBody>
@@ -3534,7 +3614,7 @@
     </p:spTree>
     <p:extLst>
       <p:ext uri="{BB962C8B-B14F-4D97-AF65-F5344CB8AC3E}">
-        <p14:creationId xmlns:p14="http://schemas.microsoft.com/office/powerpoint/2010/main" val="1857164195"/>
+        <p14:creationId xmlns:p14="http://schemas.microsoft.com/office/powerpoint/2010/main" val="1582845792"/>
       </p:ext>
     </p:extLst>
   </p:cSld>
@@ -3578,41 +3658,17 @@
           </a:xfrm>
         </p:spPr>
         <p:txBody>
-          <a:bodyPr>
-            <a:noAutofit/>
-          </a:bodyPr>
+          <a:bodyPr/>
           <a:lstStyle/>
           <a:p>
             <a:pPr algn="ctr" rtl="1"/>
             <a:r>
-              <a:rPr lang="fa-IR" sz="2800" dirty="0" smtClean="0">
+              <a:rPr lang="fa-IR" dirty="0" smtClean="0">
                 <a:cs typeface="B Yekan" panose="00000400000000000000" pitchFamily="2" charset="-78"/>
               </a:rPr>
-              <a:t>یک تبدیل کننده ایجاد کنید،</a:t>
-            </a:r>
-            <a:br>
-              <a:rPr lang="fa-IR" sz="2800" dirty="0" smtClean="0">
-                <a:cs typeface="B Yekan" panose="00000400000000000000" pitchFamily="2" charset="-78"/>
-              </a:rPr>
-            </a:br>
-            <a:r>
-              <a:rPr lang="fa-IR" sz="2800" dirty="0" smtClean="0">
-                <a:cs typeface="B Yekan" panose="00000400000000000000" pitchFamily="2" charset="-78"/>
-              </a:rPr>
-              <a:t>فرض کنید که تابع ما فقط لیست می‌گیرد.</a:t>
-            </a:r>
-            <a:br>
-              <a:rPr lang="fa-IR" sz="2800" dirty="0" smtClean="0">
-                <a:cs typeface="B Yekan" panose="00000400000000000000" pitchFamily="2" charset="-78"/>
-              </a:rPr>
-            </a:br>
-            <a:r>
-              <a:rPr lang="fa-IR" sz="2800" dirty="0" smtClean="0">
-                <a:cs typeface="B Yekan" panose="00000400000000000000" pitchFamily="2" charset="-78"/>
-              </a:rPr>
-              <a:t>کاری کنید که دیکشنری و استرینگ هم بگیرد.</a:t>
-            </a:r>
-            <a:endParaRPr lang="en-US" sz="2800" dirty="0">
+              <a:t>یک تایمر برای توابع ایجاد کنید</a:t>
+            </a:r>
+            <a:endParaRPr lang="en-US" dirty="0">
               <a:cs typeface="B Yekan" panose="00000400000000000000" pitchFamily="2" charset="-78"/>
             </a:endParaRPr>
           </a:p>
@@ -3621,7 +3677,7 @@
     </p:spTree>
     <p:extLst>
       <p:ext uri="{BB962C8B-B14F-4D97-AF65-F5344CB8AC3E}">
-        <p14:creationId xmlns:p14="http://schemas.microsoft.com/office/powerpoint/2010/main" val="3615783712"/>
+        <p14:creationId xmlns:p14="http://schemas.microsoft.com/office/powerpoint/2010/main" val="1857164195"/>
       </p:ext>
     </p:extLst>
   </p:cSld>
@@ -3675,19 +3731,29 @@
               <a:rPr lang="fa-IR" sz="2800" dirty="0" smtClean="0">
                 <a:cs typeface="B Yekan" panose="00000400000000000000" pitchFamily="2" charset="-78"/>
               </a:rPr>
-              <a:t>پایتون را می‌توان سریع‌تر کرد؟ (</a:t>
-            </a:r>
-            <a:r>
-              <a:rPr lang="en-US" sz="2800" dirty="0" err="1" smtClean="0">
-                <a:cs typeface="B Yekan" panose="00000400000000000000" pitchFamily="2" charset="-78"/>
-              </a:rPr>
-              <a:t>numba</a:t>
-            </a:r>
-            <a:r>
+              <a:t>یک تبدیل کننده ایجاد کنید،</a:t>
+            </a:r>
+            <a:br>
               <a:rPr lang="fa-IR" sz="2800" dirty="0" smtClean="0">
                 <a:cs typeface="B Yekan" panose="00000400000000000000" pitchFamily="2" charset="-78"/>
               </a:rPr>
-              <a:t>)</a:t>
+            </a:br>
+            <a:r>
+              <a:rPr lang="fa-IR" sz="2800" dirty="0" smtClean="0">
+                <a:cs typeface="B Yekan" panose="00000400000000000000" pitchFamily="2" charset="-78"/>
+              </a:rPr>
+              <a:t>فرض کنید که تابع ما فقط لیست می‌گیرد.</a:t>
+            </a:r>
+            <a:br>
+              <a:rPr lang="fa-IR" sz="2800" dirty="0" smtClean="0">
+                <a:cs typeface="B Yekan" panose="00000400000000000000" pitchFamily="2" charset="-78"/>
+              </a:rPr>
+            </a:br>
+            <a:r>
+              <a:rPr lang="fa-IR" sz="2800" dirty="0" smtClean="0">
+                <a:cs typeface="B Yekan" panose="00000400000000000000" pitchFamily="2" charset="-78"/>
+              </a:rPr>
+              <a:t>کاری کنید که دیکشنری و استرینگ هم بگیرد.</a:t>
             </a:r>
             <a:endParaRPr lang="en-US" sz="2800" dirty="0">
               <a:cs typeface="B Yekan" panose="00000400000000000000" pitchFamily="2" charset="-78"/>
@@ -3698,7 +3764,7 @@
     </p:spTree>
     <p:extLst>
       <p:ext uri="{BB962C8B-B14F-4D97-AF65-F5344CB8AC3E}">
-        <p14:creationId xmlns:p14="http://schemas.microsoft.com/office/powerpoint/2010/main" val="2777640750"/>
+        <p14:creationId xmlns:p14="http://schemas.microsoft.com/office/powerpoint/2010/main" val="3615783712"/>
       </p:ext>
     </p:extLst>
   </p:cSld>
